--- a/Notes/singularity_demo/Practical_tips_singularity.pptx
+++ b/Notes/singularity_demo/Practical_tips_singularity.pptx
@@ -207,7 +207,7 @@
           <a:p>
             <a:fld id="{05726583-1826-974E-BD5B-778F72EDBC79}" type="datetimeFigureOut">
               <a:rPr lang="en-US" smtClean="0"/>
-              <a:t>1/12/23</a:t>
+              <a:t>1/17/23</a:t>
             </a:fld>
             <a:endParaRPr lang="en-US"/>
           </a:p>
@@ -3767,7 +3767,7 @@
           <a:p>
             <a:fld id="{B2781DA9-F479-A34F-9F23-89E036B9D896}" type="datetimeFigureOut">
               <a:rPr lang="en-US" smtClean="0"/>
-              <a:t>1/12/23</a:t>
+              <a:t>1/17/23</a:t>
             </a:fld>
             <a:endParaRPr lang="en-US"/>
           </a:p>
@@ -3965,7 +3965,7 @@
           <a:p>
             <a:fld id="{B2781DA9-F479-A34F-9F23-89E036B9D896}" type="datetimeFigureOut">
               <a:rPr lang="en-US" smtClean="0"/>
-              <a:t>1/12/23</a:t>
+              <a:t>1/17/23</a:t>
             </a:fld>
             <a:endParaRPr lang="en-US"/>
           </a:p>
@@ -4173,7 +4173,7 @@
           <a:p>
             <a:fld id="{B2781DA9-F479-A34F-9F23-89E036B9D896}" type="datetimeFigureOut">
               <a:rPr lang="en-US" smtClean="0"/>
-              <a:t>1/12/23</a:t>
+              <a:t>1/17/23</a:t>
             </a:fld>
             <a:endParaRPr lang="en-US"/>
           </a:p>
@@ -4371,7 +4371,7 @@
           <a:p>
             <a:fld id="{B2781DA9-F479-A34F-9F23-89E036B9D896}" type="datetimeFigureOut">
               <a:rPr lang="en-US" smtClean="0"/>
-              <a:t>1/12/23</a:t>
+              <a:t>1/17/23</a:t>
             </a:fld>
             <a:endParaRPr lang="en-US"/>
           </a:p>
@@ -4646,7 +4646,7 @@
           <a:p>
             <a:fld id="{B2781DA9-F479-A34F-9F23-89E036B9D896}" type="datetimeFigureOut">
               <a:rPr lang="en-US" smtClean="0"/>
-              <a:t>1/12/23</a:t>
+              <a:t>1/17/23</a:t>
             </a:fld>
             <a:endParaRPr lang="en-US"/>
           </a:p>
@@ -4911,7 +4911,7 @@
           <a:p>
             <a:fld id="{B2781DA9-F479-A34F-9F23-89E036B9D896}" type="datetimeFigureOut">
               <a:rPr lang="en-US" smtClean="0"/>
-              <a:t>1/12/23</a:t>
+              <a:t>1/17/23</a:t>
             </a:fld>
             <a:endParaRPr lang="en-US"/>
           </a:p>
@@ -5323,7 +5323,7 @@
           <a:p>
             <a:fld id="{B2781DA9-F479-A34F-9F23-89E036B9D896}" type="datetimeFigureOut">
               <a:rPr lang="en-US" smtClean="0"/>
-              <a:t>1/12/23</a:t>
+              <a:t>1/17/23</a:t>
             </a:fld>
             <a:endParaRPr lang="en-US"/>
           </a:p>
@@ -5464,7 +5464,7 @@
           <a:p>
             <a:fld id="{B2781DA9-F479-A34F-9F23-89E036B9D896}" type="datetimeFigureOut">
               <a:rPr lang="en-US" smtClean="0"/>
-              <a:t>1/12/23</a:t>
+              <a:t>1/17/23</a:t>
             </a:fld>
             <a:endParaRPr lang="en-US"/>
           </a:p>
@@ -5577,7 +5577,7 @@
           <a:p>
             <a:fld id="{B2781DA9-F479-A34F-9F23-89E036B9D896}" type="datetimeFigureOut">
               <a:rPr lang="en-US" smtClean="0"/>
-              <a:t>1/12/23</a:t>
+              <a:t>1/17/23</a:t>
             </a:fld>
             <a:endParaRPr lang="en-US"/>
           </a:p>
@@ -5888,7 +5888,7 @@
           <a:p>
             <a:fld id="{B2781DA9-F479-A34F-9F23-89E036B9D896}" type="datetimeFigureOut">
               <a:rPr lang="en-US" smtClean="0"/>
-              <a:t>1/12/23</a:t>
+              <a:t>1/17/23</a:t>
             </a:fld>
             <a:endParaRPr lang="en-US"/>
           </a:p>
@@ -6176,7 +6176,7 @@
           <a:p>
             <a:fld id="{B2781DA9-F479-A34F-9F23-89E036B9D896}" type="datetimeFigureOut">
               <a:rPr lang="en-US" smtClean="0"/>
-              <a:t>1/12/23</a:t>
+              <a:t>1/17/23</a:t>
             </a:fld>
             <a:endParaRPr lang="en-US"/>
           </a:p>
@@ -6417,7 +6417,7 @@
           <a:p>
             <a:fld id="{B2781DA9-F479-A34F-9F23-89E036B9D896}" type="datetimeFigureOut">
               <a:rPr lang="en-US" smtClean="0"/>
-              <a:t>1/12/23</a:t>
+              <a:t>1/17/23</a:t>
             </a:fld>
             <a:endParaRPr lang="en-US"/>
           </a:p>
@@ -8463,8 +8463,8 @@
               <a:t> </a:t>
             </a:r>
             <a:r>
-              <a:rPr lang="en-US" altLang="zh-CN" dirty="0" err="1"/>
-              <a:t>Rstudio</a:t>
+              <a:rPr lang="en-US" altLang="zh-CN"/>
+              <a:t>RStudio</a:t>
             </a:r>
             <a:endParaRPr lang="en-US" altLang="zh-CN" dirty="0"/>
           </a:p>
@@ -8503,8 +8503,8 @@
               <a:t> </a:t>
             </a:r>
             <a:r>
-              <a:rPr lang="en-US" altLang="zh-CN" dirty="0" err="1"/>
-              <a:t>Rstudio</a:t>
+              <a:rPr lang="en-US" altLang="zh-CN" dirty="0"/>
+              <a:t>RStudio</a:t>
             </a:r>
             <a:r>
               <a:rPr lang="zh-CN" altLang="en-US" dirty="0"/>
